--- a/Assignment/Assignment 7-Jiahui_Yang.pptx
+++ b/Assignment/Assignment 7-Jiahui_Yang.pptx
@@ -5,17 +5,18 @@
     <p:sldMasterId id="2147483648" r:id="rId1"/>
   </p:sldMasterIdLst>
   <p:notesMasterIdLst>
-    <p:notesMasterId r:id="rId10"/>
+    <p:notesMasterId r:id="rId11"/>
   </p:notesMasterIdLst>
   <p:sldIdLst>
     <p:sldId id="256" r:id="rId2"/>
     <p:sldId id="257" r:id="rId3"/>
     <p:sldId id="258" r:id="rId4"/>
     <p:sldId id="267" r:id="rId5"/>
-    <p:sldId id="262" r:id="rId6"/>
-    <p:sldId id="259" r:id="rId7"/>
-    <p:sldId id="260" r:id="rId8"/>
-    <p:sldId id="261" r:id="rId9"/>
+    <p:sldId id="268" r:id="rId6"/>
+    <p:sldId id="262" r:id="rId7"/>
+    <p:sldId id="259" r:id="rId8"/>
+    <p:sldId id="260" r:id="rId9"/>
+    <p:sldId id="261" r:id="rId10"/>
   </p:sldIdLst>
   <p:sldSz cx="9144000" cy="5143500" type="screen16x9"/>
   <p:notesSz cx="6858000" cy="9144000"/>
@@ -264,7 +265,7 @@
       </p15:sldGuideLst>
     </p:ext>
     <p:ext uri="GoogleSlidesCustomDataVersion2">
-      <go:slidesCustomData xmlns="" xmlns:mc="http://schemas.openxmlformats.org/markup-compatibility/2006" xmlns:mv="urn:schemas-microsoft-com:mac:vml" xmlns:c="http://schemas.openxmlformats.org/drawingml/2006/chart" xmlns:dgm="http://schemas.openxmlformats.org/drawingml/2006/diagram" xmlns:o="urn:schemas-microsoft-com:office:office" xmlns:v="urn:schemas-microsoft-com:vml" xmlns:pvml="urn:schemas-microsoft-com:office:powerpoint" xmlns:com="http://schemas.openxmlformats.org/drawingml/2006/compatibility" xmlns:p14="http://schemas.microsoft.com/office/powerpoint/2010/main" xmlns:p15="http://schemas.microsoft.com/office/powerpoint/2012/main" xmlns:ahyp="http://schemas.microsoft.com/office/drawing/2018/hyperlinkcolor" xmlns:go="http://customooxmlschemas.google.com/" r:id="rId16" roundtripDataSignature="AMtx7mj2vlPlYJyQ+Ye10S9AoINL2ARvTA=="/>
+      <go:slidesCustomData xmlns:go="http://customooxmlschemas.google.com/" xmlns:ahyp="http://schemas.microsoft.com/office/drawing/2018/hyperlinkcolor" xmlns:p15="http://schemas.microsoft.com/office/powerpoint/2012/main" xmlns:p14="http://schemas.microsoft.com/office/powerpoint/2010/main" xmlns:com="http://schemas.openxmlformats.org/drawingml/2006/compatibility" xmlns:pvml="urn:schemas-microsoft-com:office:powerpoint" xmlns:v="urn:schemas-microsoft-com:vml" xmlns:o="urn:schemas-microsoft-com:office:office" xmlns:dgm="http://schemas.openxmlformats.org/drawingml/2006/diagram" xmlns:c="http://schemas.openxmlformats.org/drawingml/2006/chart" xmlns:mv="urn:schemas-microsoft-com:mac:vml" xmlns:mc="http://schemas.openxmlformats.org/markup-compatibility/2006" xmlns="" r:id="rId16" roundtripDataSignature="AMtx7mj2vlPlYJyQ+Ye10S9AoINL2ARvTA=="/>
     </p:ext>
   </p:extLst>
 </p:presentation>
@@ -286,7 +287,7 @@
         <p15:threadingInfo xmlns:p15="http://schemas.microsoft.com/office/powerpoint/2012/main" timeZoneBias="0"/>
       </p:ext>
       <p:ext uri="http://customooxmlschemas.google.com/">
-        <go:slidesCustomData xmlns="" xmlns:mc="http://schemas.openxmlformats.org/markup-compatibility/2006" xmlns:mv="urn:schemas-microsoft-com:mac:vml" xmlns:c="http://schemas.openxmlformats.org/drawingml/2006/chart" xmlns:dgm="http://schemas.openxmlformats.org/drawingml/2006/diagram" xmlns:o="urn:schemas-microsoft-com:office:office" xmlns:v="urn:schemas-microsoft-com:vml" xmlns:pvml="urn:schemas-microsoft-com:office:powerpoint" xmlns:com="http://schemas.openxmlformats.org/drawingml/2006/compatibility" xmlns:p14="http://schemas.microsoft.com/office/powerpoint/2010/main" xmlns:p15="http://schemas.microsoft.com/office/powerpoint/2012/main" xmlns:ahyp="http://schemas.microsoft.com/office/drawing/2018/hyperlinkcolor" xmlns:go="http://customooxmlschemas.google.com/" commentPostId="AAABRFpwMvQ"/>
+        <go:slidesCustomData xmlns:go="http://customooxmlschemas.google.com/" xmlns:ahyp="http://schemas.microsoft.com/office/drawing/2018/hyperlinkcolor" xmlns:p15="http://schemas.microsoft.com/office/powerpoint/2012/main" xmlns:p14="http://schemas.microsoft.com/office/powerpoint/2010/main" xmlns:com="http://schemas.openxmlformats.org/drawingml/2006/compatibility" xmlns:pvml="urn:schemas-microsoft-com:office:powerpoint" xmlns:v="urn:schemas-microsoft-com:vml" xmlns:o="urn:schemas-microsoft-com:office:office" xmlns:dgm="http://schemas.openxmlformats.org/drawingml/2006/diagram" xmlns:c="http://schemas.openxmlformats.org/drawingml/2006/chart" xmlns:mv="urn:schemas-microsoft-com:mac:vml" xmlns:mc="http://schemas.openxmlformats.org/markup-compatibility/2006" xmlns="" commentPostId="AAABRFpwMvQ"/>
       </p:ext>
     </p:extLst>
   </p:cm>
@@ -298,7 +299,7 @@
         <p15:threadingInfo xmlns:p15="http://schemas.microsoft.com/office/powerpoint/2012/main" timeZoneBias="0"/>
       </p:ext>
       <p:ext uri="http://customooxmlschemas.google.com/">
-        <go:slidesCustomData xmlns="" xmlns:mc="http://schemas.openxmlformats.org/markup-compatibility/2006" xmlns:mv="urn:schemas-microsoft-com:mac:vml" xmlns:c="http://schemas.openxmlformats.org/drawingml/2006/chart" xmlns:dgm="http://schemas.openxmlformats.org/drawingml/2006/diagram" xmlns:o="urn:schemas-microsoft-com:office:office" xmlns:v="urn:schemas-microsoft-com:vml" xmlns:pvml="urn:schemas-microsoft-com:office:powerpoint" xmlns:com="http://schemas.openxmlformats.org/drawingml/2006/compatibility" xmlns:p14="http://schemas.microsoft.com/office/powerpoint/2010/main" xmlns:p15="http://schemas.microsoft.com/office/powerpoint/2012/main" xmlns:ahyp="http://schemas.microsoft.com/office/drawing/2018/hyperlinkcolor" xmlns:go="http://customooxmlschemas.google.com/" commentPostId="AAABRFpwMvU"/>
+        <go:slidesCustomData xmlns:go="http://customooxmlschemas.google.com/" xmlns:ahyp="http://schemas.microsoft.com/office/drawing/2018/hyperlinkcolor" xmlns:p15="http://schemas.microsoft.com/office/powerpoint/2012/main" xmlns:p14="http://schemas.microsoft.com/office/powerpoint/2010/main" xmlns:com="http://schemas.openxmlformats.org/drawingml/2006/compatibility" xmlns:pvml="urn:schemas-microsoft-com:office:powerpoint" xmlns:v="urn:schemas-microsoft-com:vml" xmlns:o="urn:schemas-microsoft-com:office:office" xmlns:dgm="http://schemas.openxmlformats.org/drawingml/2006/diagram" xmlns:c="http://schemas.openxmlformats.org/drawingml/2006/chart" xmlns:mv="urn:schemas-microsoft-com:mac:vml" xmlns:mc="http://schemas.openxmlformats.org/markup-compatibility/2006" xmlns="" commentPostId="AAABRFpwMvU"/>
       </p:ext>
     </p:extLst>
   </p:cm>
@@ -1494,6 +1495,133 @@
     </p:spTree>
     <p:extLst>
       <p:ext uri="{BB962C8B-B14F-4D97-AF65-F5344CB8AC3E}">
+        <p14:creationId xmlns:p14="http://schemas.microsoft.com/office/powerpoint/2010/main" val="1108552854"/>
+      </p:ext>
+    </p:extLst>
+  </p:cSld>
+  <p:clrMapOvr>
+    <a:masterClrMapping/>
+  </p:clrMapOvr>
+</p:notes>
+</file>
+
+<file path=ppt/notesSlides/notesSlide6.xml><?xml version="1.0" encoding="utf-8"?>
+<p:notes xmlns:a="http://schemas.openxmlformats.org/drawingml/2006/main" xmlns:r="http://schemas.openxmlformats.org/officeDocument/2006/relationships" xmlns:p="http://schemas.openxmlformats.org/presentationml/2006/main" showMasterSp="0" showMasterPhAnim="0">
+  <p:cSld>
+    <p:spTree>
+      <p:nvGrpSpPr>
+        <p:cNvPr id="1" name="Shape 64"/>
+        <p:cNvGrpSpPr/>
+        <p:nvPr/>
+      </p:nvGrpSpPr>
+      <p:grpSpPr>
+        <a:xfrm>
+          <a:off x="0" y="0"/>
+          <a:ext cx="0" cy="0"/>
+          <a:chOff x="0" y="0"/>
+          <a:chExt cx="0" cy="0"/>
+        </a:xfrm>
+      </p:grpSpPr>
+      <p:sp>
+        <p:nvSpPr>
+          <p:cNvPr id="65" name="Google Shape;65;p3:notes"/>
+          <p:cNvSpPr>
+            <a:spLocks noGrp="1" noRot="1" noChangeAspect="1"/>
+          </p:cNvSpPr>
+          <p:nvPr>
+            <p:ph type="sldImg" idx="2"/>
+          </p:nvPr>
+        </p:nvSpPr>
+        <p:spPr>
+          <a:xfrm>
+            <a:off x="381000" y="685800"/>
+            <a:ext cx="6096000" cy="3429000"/>
+          </a:xfrm>
+          <a:custGeom>
+            <a:avLst/>
+            <a:gdLst/>
+            <a:ahLst/>
+            <a:cxnLst/>
+            <a:rect l="l" t="t" r="r" b="b"/>
+            <a:pathLst>
+              <a:path w="120000" h="120000" extrusionOk="0">
+                <a:moveTo>
+                  <a:pt x="0" y="0"/>
+                </a:moveTo>
+                <a:lnTo>
+                  <a:pt x="120000" y="0"/>
+                </a:lnTo>
+                <a:lnTo>
+                  <a:pt x="120000" y="120000"/>
+                </a:lnTo>
+                <a:lnTo>
+                  <a:pt x="0" y="120000"/>
+                </a:lnTo>
+                <a:close/>
+              </a:path>
+            </a:pathLst>
+          </a:custGeom>
+          <a:noFill/>
+          <a:ln w="9525" cap="flat" cmpd="sng">
+            <a:solidFill>
+              <a:srgbClr val="000000"/>
+            </a:solidFill>
+            <a:prstDash val="solid"/>
+            <a:round/>
+            <a:headEnd type="none" w="sm" len="sm"/>
+            <a:tailEnd type="none" w="sm" len="sm"/>
+          </a:ln>
+        </p:spPr>
+      </p:sp>
+      <p:sp>
+        <p:nvSpPr>
+          <p:cNvPr id="66" name="Google Shape;66;p3:notes"/>
+          <p:cNvSpPr txBox="1">
+            <a:spLocks noGrp="1"/>
+          </p:cNvSpPr>
+          <p:nvPr>
+            <p:ph type="body" idx="1"/>
+          </p:nvPr>
+        </p:nvSpPr>
+        <p:spPr>
+          <a:xfrm>
+            <a:off x="685800" y="4343400"/>
+            <a:ext cx="5486400" cy="4114800"/>
+          </a:xfrm>
+          <a:prstGeom prst="rect">
+            <a:avLst/>
+          </a:prstGeom>
+          <a:noFill/>
+          <a:ln>
+            <a:noFill/>
+          </a:ln>
+        </p:spPr>
+        <p:txBody>
+          <a:bodyPr spcFirstLastPara="1" wrap="square" lIns="91425" tIns="91425" rIns="91425" bIns="91425" anchor="t" anchorCtr="0">
+            <a:noAutofit/>
+          </a:bodyPr>
+          <a:lstStyle/>
+          <a:p>
+            <a:pPr marL="0" lvl="0" indent="0" algn="l" rtl="0">
+              <a:lnSpc>
+                <a:spcPct val="100000"/>
+              </a:lnSpc>
+              <a:spcBef>
+                <a:spcPts val="0"/>
+              </a:spcBef>
+              <a:spcAft>
+                <a:spcPts val="0"/>
+              </a:spcAft>
+              <a:buSzPts val="1100"/>
+              <a:buNone/>
+            </a:pPr>
+            <a:endParaRPr/>
+          </a:p>
+        </p:txBody>
+      </p:sp>
+    </p:spTree>
+    <p:extLst>
+      <p:ext uri="{BB962C8B-B14F-4D97-AF65-F5344CB8AC3E}">
         <p14:creationId xmlns:p14="http://schemas.microsoft.com/office/powerpoint/2010/main" val="2191148957"/>
       </p:ext>
     </p:extLst>
@@ -1504,7 +1632,7 @@
 </p:notes>
 </file>
 
-<file path=ppt/notesSlides/notesSlide6.xml><?xml version="1.0" encoding="utf-8"?>
+<file path=ppt/notesSlides/notesSlide7.xml><?xml version="1.0" encoding="utf-8"?>
 <p:notes xmlns:a="http://schemas.openxmlformats.org/drawingml/2006/main" xmlns:r="http://schemas.openxmlformats.org/officeDocument/2006/relationships" xmlns:p="http://schemas.openxmlformats.org/presentationml/2006/main" showMasterSp="0" showMasterPhAnim="0">
   <p:cSld>
     <p:spTree>
@@ -1626,7 +1754,7 @@
 </p:notes>
 </file>
 
-<file path=ppt/notesSlides/notesSlide7.xml><?xml version="1.0" encoding="utf-8"?>
+<file path=ppt/notesSlides/notesSlide8.xml><?xml version="1.0" encoding="utf-8"?>
 <p:notes xmlns:a="http://schemas.openxmlformats.org/drawingml/2006/main" xmlns:r="http://schemas.openxmlformats.org/officeDocument/2006/relationships" xmlns:p="http://schemas.openxmlformats.org/presentationml/2006/main" showMasterSp="0" showMasterPhAnim="0">
   <p:cSld>
     <p:spTree>
@@ -1748,7 +1876,7 @@
 </p:notes>
 </file>
 
-<file path=ppt/notesSlides/notesSlide8.xml><?xml version="1.0" encoding="utf-8"?>
+<file path=ppt/notesSlides/notesSlide9.xml><?xml version="1.0" encoding="utf-8"?>
 <p:notes xmlns:a="http://schemas.openxmlformats.org/drawingml/2006/main" xmlns:r="http://schemas.openxmlformats.org/officeDocument/2006/relationships" xmlns:p="http://schemas.openxmlformats.org/presentationml/2006/main" showMasterSp="0" showMasterPhAnim="0">
   <p:cSld>
     <p:spTree>
@@ -10179,7 +10307,7 @@
               <a:rPr lang="en" dirty="0">
                 <a:extLst>
                   <a:ext uri="http://customooxmlschemas.google.com/">
-                    <go:slidesCustomData xmlns="" xmlns:mc="http://schemas.openxmlformats.org/markup-compatibility/2006" xmlns:mv="urn:schemas-microsoft-com:mac:vml" xmlns:c="http://schemas.openxmlformats.org/drawingml/2006/chart" xmlns:dgm="http://schemas.openxmlformats.org/drawingml/2006/diagram" xmlns:o="urn:schemas-microsoft-com:office:office" xmlns:v="urn:schemas-microsoft-com:vml" xmlns:pvml="urn:schemas-microsoft-com:office:powerpoint" xmlns:com="http://schemas.openxmlformats.org/drawingml/2006/compatibility" xmlns:p14="http://schemas.microsoft.com/office/powerpoint/2010/main" xmlns:p15="http://schemas.microsoft.com/office/powerpoint/2012/main" xmlns:ahyp="http://schemas.microsoft.com/office/drawing/2018/hyperlinkcolor" xmlns:go="http://customooxmlschemas.google.com/" textRoundtripDataId="0"/>
+                    <go:slidesCustomData xmlns:go="http://customooxmlschemas.google.com/" xmlns:ahyp="http://schemas.microsoft.com/office/drawing/2018/hyperlinkcolor" xmlns:p15="http://schemas.microsoft.com/office/powerpoint/2012/main" xmlns:p14="http://schemas.microsoft.com/office/powerpoint/2010/main" xmlns:com="http://schemas.openxmlformats.org/drawingml/2006/compatibility" xmlns:pvml="urn:schemas-microsoft-com:office:powerpoint" xmlns:v="urn:schemas-microsoft-com:vml" xmlns:o="urn:schemas-microsoft-com:office:office" xmlns:dgm="http://schemas.openxmlformats.org/drawingml/2006/diagram" xmlns:c="http://schemas.openxmlformats.org/drawingml/2006/chart" xmlns:mv="urn:schemas-microsoft-com:mac:vml" xmlns:mc="http://schemas.openxmlformats.org/markup-compatibility/2006" xmlns="" textRoundtripDataId="0"/>
                   </a:ext>
                 </a:extLst>
               </a:rPr>
@@ -10189,7 +10317,7 @@
               <a:rPr lang="en-US" dirty="0">
                 <a:extLst>
                   <a:ext uri="http://customooxmlschemas.google.com/">
-                    <go:slidesCustomData xmlns="" xmlns:mc="http://schemas.openxmlformats.org/markup-compatibility/2006" xmlns:mv="urn:schemas-microsoft-com:mac:vml" xmlns:c="http://schemas.openxmlformats.org/drawingml/2006/chart" xmlns:dgm="http://schemas.openxmlformats.org/drawingml/2006/diagram" xmlns:o="urn:schemas-microsoft-com:office:office" xmlns:v="urn:schemas-microsoft-com:vml" xmlns:pvml="urn:schemas-microsoft-com:office:powerpoint" xmlns:com="http://schemas.openxmlformats.org/drawingml/2006/compatibility" xmlns:p14="http://schemas.microsoft.com/office/powerpoint/2010/main" xmlns:p15="http://schemas.microsoft.com/office/powerpoint/2012/main" xmlns:ahyp="http://schemas.microsoft.com/office/drawing/2018/hyperlinkcolor" xmlns:go="http://customooxmlschemas.google.com/" textRoundtripDataId="0"/>
+                    <go:slidesCustomData xmlns:go="http://customooxmlschemas.google.com/" xmlns:ahyp="http://schemas.microsoft.com/office/drawing/2018/hyperlinkcolor" xmlns:p15="http://schemas.microsoft.com/office/powerpoint/2012/main" xmlns:p14="http://schemas.microsoft.com/office/powerpoint/2010/main" xmlns:com="http://schemas.openxmlformats.org/drawingml/2006/compatibility" xmlns:pvml="urn:schemas-microsoft-com:office:powerpoint" xmlns:v="urn:schemas-microsoft-com:vml" xmlns:o="urn:schemas-microsoft-com:office:office" xmlns:dgm="http://schemas.openxmlformats.org/drawingml/2006/diagram" xmlns:c="http://schemas.openxmlformats.org/drawingml/2006/chart" xmlns:mv="urn:schemas-microsoft-com:mac:vml" xmlns:mc="http://schemas.openxmlformats.org/markup-compatibility/2006" xmlns="" textRoundtripDataId="0"/>
                   </a:ext>
                 </a:extLst>
               </a:rPr>
@@ -10245,7 +10373,7 @@
               <a:rPr lang="en" dirty="0">
                 <a:extLst>
                   <a:ext uri="http://customooxmlschemas.google.com/">
-                    <go:slidesCustomData xmlns="" xmlns:mc="http://schemas.openxmlformats.org/markup-compatibility/2006" xmlns:mv="urn:schemas-microsoft-com:mac:vml" xmlns:c="http://schemas.openxmlformats.org/drawingml/2006/chart" xmlns:dgm="http://schemas.openxmlformats.org/drawingml/2006/diagram" xmlns:o="urn:schemas-microsoft-com:office:office" xmlns:v="urn:schemas-microsoft-com:vml" xmlns:pvml="urn:schemas-microsoft-com:office:powerpoint" xmlns:com="http://schemas.openxmlformats.org/drawingml/2006/compatibility" xmlns:p14="http://schemas.microsoft.com/office/powerpoint/2010/main" xmlns:p15="http://schemas.microsoft.com/office/powerpoint/2012/main" xmlns:ahyp="http://schemas.microsoft.com/office/drawing/2018/hyperlinkcolor" xmlns:go="http://customooxmlschemas.google.com/" textRoundtripDataId="1"/>
+                    <go:slidesCustomData xmlns:go="http://customooxmlschemas.google.com/" xmlns:ahyp="http://schemas.microsoft.com/office/drawing/2018/hyperlinkcolor" xmlns:p15="http://schemas.microsoft.com/office/powerpoint/2012/main" xmlns:p14="http://schemas.microsoft.com/office/powerpoint/2010/main" xmlns:com="http://schemas.openxmlformats.org/drawingml/2006/compatibility" xmlns:pvml="urn:schemas-microsoft-com:office:powerpoint" xmlns:v="urn:schemas-microsoft-com:vml" xmlns:o="urn:schemas-microsoft-com:office:office" xmlns:dgm="http://schemas.openxmlformats.org/drawingml/2006/diagram" xmlns:c="http://schemas.openxmlformats.org/drawingml/2006/chart" xmlns:mv="urn:schemas-microsoft-com:mac:vml" xmlns:mc="http://schemas.openxmlformats.org/markup-compatibility/2006" xmlns="" textRoundtripDataId="1"/>
                   </a:ext>
                 </a:extLst>
               </a:rPr>
@@ -10255,7 +10383,7 @@
               <a:rPr lang="en-US" altLang="zh-CN" dirty="0" err="1">
                 <a:extLst>
                   <a:ext uri="http://customooxmlschemas.google.com/">
-                    <go:slidesCustomData xmlns="" xmlns:mc="http://schemas.openxmlformats.org/markup-compatibility/2006" xmlns:mv="urn:schemas-microsoft-com:mac:vml" xmlns:c="http://schemas.openxmlformats.org/drawingml/2006/chart" xmlns:dgm="http://schemas.openxmlformats.org/drawingml/2006/diagram" xmlns:o="urn:schemas-microsoft-com:office:office" xmlns:v="urn:schemas-microsoft-com:vml" xmlns:pvml="urn:schemas-microsoft-com:office:powerpoint" xmlns:com="http://schemas.openxmlformats.org/drawingml/2006/compatibility" xmlns:p14="http://schemas.microsoft.com/office/powerpoint/2010/main" xmlns:p15="http://schemas.microsoft.com/office/powerpoint/2012/main" xmlns:ahyp="http://schemas.microsoft.com/office/drawing/2018/hyperlinkcolor" xmlns:go="http://customooxmlschemas.google.com/" textRoundtripDataId="1"/>
+                    <go:slidesCustomData xmlns:go="http://customooxmlschemas.google.com/" xmlns:ahyp="http://schemas.microsoft.com/office/drawing/2018/hyperlinkcolor" xmlns:p15="http://schemas.microsoft.com/office/powerpoint/2012/main" xmlns:p14="http://schemas.microsoft.com/office/powerpoint/2010/main" xmlns:com="http://schemas.openxmlformats.org/drawingml/2006/compatibility" xmlns:pvml="urn:schemas-microsoft-com:office:powerpoint" xmlns:v="urn:schemas-microsoft-com:vml" xmlns:o="urn:schemas-microsoft-com:office:office" xmlns:dgm="http://schemas.openxmlformats.org/drawingml/2006/diagram" xmlns:c="http://schemas.openxmlformats.org/drawingml/2006/chart" xmlns:mv="urn:schemas-microsoft-com:mac:vml" xmlns:mc="http://schemas.openxmlformats.org/markup-compatibility/2006" xmlns="" textRoundtripDataId="1"/>
                   </a:ext>
                 </a:extLst>
               </a:rPr>
@@ -10265,7 +10393,7 @@
               <a:rPr lang="en-US" altLang="zh-CN" dirty="0">
                 <a:extLst>
                   <a:ext uri="http://customooxmlschemas.google.com/">
-                    <go:slidesCustomData xmlns="" xmlns:mc="http://schemas.openxmlformats.org/markup-compatibility/2006" xmlns:mv="urn:schemas-microsoft-com:mac:vml" xmlns:c="http://schemas.openxmlformats.org/drawingml/2006/chart" xmlns:dgm="http://schemas.openxmlformats.org/drawingml/2006/diagram" xmlns:o="urn:schemas-microsoft-com:office:office" xmlns:v="urn:schemas-microsoft-com:vml" xmlns:pvml="urn:schemas-microsoft-com:office:powerpoint" xmlns:com="http://schemas.openxmlformats.org/drawingml/2006/compatibility" xmlns:p14="http://schemas.microsoft.com/office/powerpoint/2010/main" xmlns:p15="http://schemas.microsoft.com/office/powerpoint/2012/main" xmlns:ahyp="http://schemas.microsoft.com/office/drawing/2018/hyperlinkcolor" xmlns:go="http://customooxmlschemas.google.com/" textRoundtripDataId="1"/>
+                    <go:slidesCustomData xmlns:go="http://customooxmlschemas.google.com/" xmlns:ahyp="http://schemas.microsoft.com/office/drawing/2018/hyperlinkcolor" xmlns:p15="http://schemas.microsoft.com/office/powerpoint/2012/main" xmlns:p14="http://schemas.microsoft.com/office/powerpoint/2010/main" xmlns:com="http://schemas.openxmlformats.org/drawingml/2006/compatibility" xmlns:pvml="urn:schemas-microsoft-com:office:powerpoint" xmlns:v="urn:schemas-microsoft-com:vml" xmlns:o="urn:schemas-microsoft-com:office:office" xmlns:dgm="http://schemas.openxmlformats.org/drawingml/2006/diagram" xmlns:c="http://schemas.openxmlformats.org/drawingml/2006/chart" xmlns:mv="urn:schemas-microsoft-com:mac:vml" xmlns:mc="http://schemas.openxmlformats.org/markup-compatibility/2006" xmlns="" textRoundtripDataId="1"/>
                   </a:ext>
                 </a:extLst>
               </a:rPr>
@@ -10274,7 +10402,7 @@
             <a:endParaRPr dirty="0">
               <a:extLst>
                 <a:ext uri="http://customooxmlschemas.google.com/">
-                  <go:slidesCustomData xmlns="" xmlns:mc="http://schemas.openxmlformats.org/markup-compatibility/2006" xmlns:mv="urn:schemas-microsoft-com:mac:vml" xmlns:c="http://schemas.openxmlformats.org/drawingml/2006/chart" xmlns:dgm="http://schemas.openxmlformats.org/drawingml/2006/diagram" xmlns:o="urn:schemas-microsoft-com:office:office" xmlns:v="urn:schemas-microsoft-com:vml" xmlns:pvml="urn:schemas-microsoft-com:office:powerpoint" xmlns:com="http://schemas.openxmlformats.org/drawingml/2006/compatibility" xmlns:p14="http://schemas.microsoft.com/office/powerpoint/2010/main" xmlns:p15="http://schemas.microsoft.com/office/powerpoint/2012/main" xmlns:ahyp="http://schemas.microsoft.com/office/drawing/2018/hyperlinkcolor" xmlns:go="http://customooxmlschemas.google.com/" textRoundtripDataId="2"/>
+                  <go:slidesCustomData xmlns:go="http://customooxmlschemas.google.com/" xmlns:ahyp="http://schemas.microsoft.com/office/drawing/2018/hyperlinkcolor" xmlns:p15="http://schemas.microsoft.com/office/powerpoint/2012/main" xmlns:p14="http://schemas.microsoft.com/office/powerpoint/2010/main" xmlns:com="http://schemas.openxmlformats.org/drawingml/2006/compatibility" xmlns:pvml="urn:schemas-microsoft-com:office:powerpoint" xmlns:v="urn:schemas-microsoft-com:vml" xmlns:o="urn:schemas-microsoft-com:office:office" xmlns:dgm="http://schemas.openxmlformats.org/drawingml/2006/diagram" xmlns:c="http://schemas.openxmlformats.org/drawingml/2006/chart" xmlns:mv="urn:schemas-microsoft-com:mac:vml" xmlns:mc="http://schemas.openxmlformats.org/markup-compatibility/2006" xmlns="" textRoundtripDataId="2"/>
                 </a:ext>
               </a:extLst>
             </a:endParaRPr>
@@ -10297,7 +10425,7 @@
               <a:rPr lang="en" dirty="0">
                 <a:extLst>
                   <a:ext uri="http://customooxmlschemas.google.com/">
-                    <go:slidesCustomData xmlns="" xmlns:mc="http://schemas.openxmlformats.org/markup-compatibility/2006" xmlns:mv="urn:schemas-microsoft-com:mac:vml" xmlns:c="http://schemas.openxmlformats.org/drawingml/2006/chart" xmlns:dgm="http://schemas.openxmlformats.org/drawingml/2006/diagram" xmlns:o="urn:schemas-microsoft-com:office:office" xmlns:v="urn:schemas-microsoft-com:vml" xmlns:pvml="urn:schemas-microsoft-com:office:powerpoint" xmlns:com="http://schemas.openxmlformats.org/drawingml/2006/compatibility" xmlns:p14="http://schemas.microsoft.com/office/powerpoint/2010/main" xmlns:p15="http://schemas.microsoft.com/office/powerpoint/2012/main" xmlns:ahyp="http://schemas.microsoft.com/office/drawing/2018/hyperlinkcolor" xmlns:go="http://customooxmlschemas.google.com/" textRoundtripDataId="3"/>
+                    <go:slidesCustomData xmlns:go="http://customooxmlschemas.google.com/" xmlns:ahyp="http://schemas.microsoft.com/office/drawing/2018/hyperlinkcolor" xmlns:p15="http://schemas.microsoft.com/office/powerpoint/2012/main" xmlns:p14="http://schemas.microsoft.com/office/powerpoint/2010/main" xmlns:com="http://schemas.openxmlformats.org/drawingml/2006/compatibility" xmlns:pvml="urn:schemas-microsoft-com:office:powerpoint" xmlns:v="urn:schemas-microsoft-com:vml" xmlns:o="urn:schemas-microsoft-com:office:office" xmlns:dgm="http://schemas.openxmlformats.org/drawingml/2006/diagram" xmlns:c="http://schemas.openxmlformats.org/drawingml/2006/chart" xmlns:mv="urn:schemas-microsoft-com:mac:vml" xmlns:mc="http://schemas.openxmlformats.org/markup-compatibility/2006" xmlns="" textRoundtripDataId="3"/>
                   </a:ext>
                 </a:extLst>
               </a:rPr>
@@ -10322,7 +10450,7 @@
               <a:rPr lang="en" dirty="0">
                 <a:extLst>
                   <a:ext uri="http://customooxmlschemas.google.com/">
-                    <go:slidesCustomData xmlns="" xmlns:mc="http://schemas.openxmlformats.org/markup-compatibility/2006" xmlns:mv="urn:schemas-microsoft-com:mac:vml" xmlns:c="http://schemas.openxmlformats.org/drawingml/2006/chart" xmlns:dgm="http://schemas.openxmlformats.org/drawingml/2006/diagram" xmlns:o="urn:schemas-microsoft-com:office:office" xmlns:v="urn:schemas-microsoft-com:vml" xmlns:pvml="urn:schemas-microsoft-com:office:powerpoint" xmlns:com="http://schemas.openxmlformats.org/drawingml/2006/compatibility" xmlns:p14="http://schemas.microsoft.com/office/powerpoint/2010/main" xmlns:p15="http://schemas.microsoft.com/office/powerpoint/2012/main" xmlns:ahyp="http://schemas.microsoft.com/office/drawing/2018/hyperlinkcolor" xmlns:go="http://customooxmlschemas.google.com/" textRoundtripDataId="4"/>
+                    <go:slidesCustomData xmlns:go="http://customooxmlschemas.google.com/" xmlns:ahyp="http://schemas.microsoft.com/office/drawing/2018/hyperlinkcolor" xmlns:p15="http://schemas.microsoft.com/office/powerpoint/2012/main" xmlns:p14="http://schemas.microsoft.com/office/powerpoint/2010/main" xmlns:com="http://schemas.openxmlformats.org/drawingml/2006/compatibility" xmlns:pvml="urn:schemas-microsoft-com:office:powerpoint" xmlns:v="urn:schemas-microsoft-com:vml" xmlns:o="urn:schemas-microsoft-com:office:office" xmlns:dgm="http://schemas.openxmlformats.org/drawingml/2006/diagram" xmlns:c="http://schemas.openxmlformats.org/drawingml/2006/chart" xmlns:mv="urn:schemas-microsoft-com:mac:vml" xmlns:mc="http://schemas.openxmlformats.org/markup-compatibility/2006" xmlns="" textRoundtripDataId="4"/>
                   </a:ext>
                 </a:extLst>
               </a:rPr>
@@ -10332,7 +10460,7 @@
               <a:rPr lang="en" dirty="0">
                 <a:extLst>
                   <a:ext uri="http://customooxmlschemas.google.com/">
-                    <go:slidesCustomData xmlns="" xmlns:mc="http://schemas.openxmlformats.org/markup-compatibility/2006" xmlns:mv="urn:schemas-microsoft-com:mac:vml" xmlns:c="http://schemas.openxmlformats.org/drawingml/2006/chart" xmlns:dgm="http://schemas.openxmlformats.org/drawingml/2006/diagram" xmlns:o="urn:schemas-microsoft-com:office:office" xmlns:v="urn:schemas-microsoft-com:vml" xmlns:pvml="urn:schemas-microsoft-com:office:powerpoint" xmlns:com="http://schemas.openxmlformats.org/drawingml/2006/compatibility" xmlns:p14="http://schemas.microsoft.com/office/powerpoint/2010/main" xmlns:p15="http://schemas.microsoft.com/office/powerpoint/2012/main" xmlns:ahyp="http://schemas.microsoft.com/office/drawing/2018/hyperlinkcolor" xmlns:go="http://customooxmlschemas.google.com/" textRoundtripDataId="5"/>
+                    <go:slidesCustomData xmlns:go="http://customooxmlschemas.google.com/" xmlns:ahyp="http://schemas.microsoft.com/office/drawing/2018/hyperlinkcolor" xmlns:p15="http://schemas.microsoft.com/office/powerpoint/2012/main" xmlns:p14="http://schemas.microsoft.com/office/powerpoint/2010/main" xmlns:com="http://schemas.openxmlformats.org/drawingml/2006/compatibility" xmlns:pvml="urn:schemas-microsoft-com:office:powerpoint" xmlns:v="urn:schemas-microsoft-com:vml" xmlns:o="urn:schemas-microsoft-com:office:office" xmlns:dgm="http://schemas.openxmlformats.org/drawingml/2006/diagram" xmlns:c="http://schemas.openxmlformats.org/drawingml/2006/chart" xmlns:mv="urn:schemas-microsoft-com:mac:vml" xmlns:mc="http://schemas.openxmlformats.org/markup-compatibility/2006" xmlns="" textRoundtripDataId="5"/>
                   </a:ext>
                 </a:extLst>
               </a:rPr>
@@ -10341,7 +10469,7 @@
             <a:endParaRPr dirty="0">
               <a:extLst>
                 <a:ext uri="http://customooxmlschemas.google.com/">
-                  <go:slidesCustomData xmlns="" xmlns:mc="http://schemas.openxmlformats.org/markup-compatibility/2006" xmlns:mv="urn:schemas-microsoft-com:mac:vml" xmlns:c="http://schemas.openxmlformats.org/drawingml/2006/chart" xmlns:dgm="http://schemas.openxmlformats.org/drawingml/2006/diagram" xmlns:o="urn:schemas-microsoft-com:office:office" xmlns:v="urn:schemas-microsoft-com:vml" xmlns:pvml="urn:schemas-microsoft-com:office:powerpoint" xmlns:com="http://schemas.openxmlformats.org/drawingml/2006/compatibility" xmlns:p14="http://schemas.microsoft.com/office/powerpoint/2010/main" xmlns:p15="http://schemas.microsoft.com/office/powerpoint/2012/main" xmlns:ahyp="http://schemas.microsoft.com/office/drawing/2018/hyperlinkcolor" xmlns:go="http://customooxmlschemas.google.com/" textRoundtripDataId="6"/>
+                  <go:slidesCustomData xmlns:go="http://customooxmlschemas.google.com/" xmlns:ahyp="http://schemas.microsoft.com/office/drawing/2018/hyperlinkcolor" xmlns:p15="http://schemas.microsoft.com/office/powerpoint/2012/main" xmlns:p14="http://schemas.microsoft.com/office/powerpoint/2010/main" xmlns:com="http://schemas.openxmlformats.org/drawingml/2006/compatibility" xmlns:pvml="urn:schemas-microsoft-com:office:powerpoint" xmlns:v="urn:schemas-microsoft-com:vml" xmlns:o="urn:schemas-microsoft-com:office:office" xmlns:dgm="http://schemas.openxmlformats.org/drawingml/2006/diagram" xmlns:c="http://schemas.openxmlformats.org/drawingml/2006/chart" xmlns:mv="urn:schemas-microsoft-com:mac:vml" xmlns:mc="http://schemas.openxmlformats.org/markup-compatibility/2006" xmlns="" textRoundtripDataId="6"/>
                 </a:ext>
               </a:extLst>
             </a:endParaRPr>
@@ -10364,7 +10492,7 @@
               <a:rPr lang="en-US" dirty="0">
                 <a:extLst>
                   <a:ext uri="http://customooxmlschemas.google.com/">
-                    <go:slidesCustomData xmlns="" xmlns:mc="http://schemas.openxmlformats.org/markup-compatibility/2006" xmlns:mv="urn:schemas-microsoft-com:mac:vml" xmlns:c="http://schemas.openxmlformats.org/drawingml/2006/chart" xmlns:dgm="http://schemas.openxmlformats.org/drawingml/2006/diagram" xmlns:o="urn:schemas-microsoft-com:office:office" xmlns:v="urn:schemas-microsoft-com:vml" xmlns:pvml="urn:schemas-microsoft-com:office:powerpoint" xmlns:com="http://schemas.openxmlformats.org/drawingml/2006/compatibility" xmlns:p14="http://schemas.microsoft.com/office/powerpoint/2010/main" xmlns:p15="http://schemas.microsoft.com/office/powerpoint/2012/main" xmlns:ahyp="http://schemas.microsoft.com/office/drawing/2018/hyperlinkcolor" xmlns:go="http://customooxmlschemas.google.com/" textRoundtripDataId="7"/>
+                    <go:slidesCustomData xmlns:go="http://customooxmlschemas.google.com/" xmlns:ahyp="http://schemas.microsoft.com/office/drawing/2018/hyperlinkcolor" xmlns:p15="http://schemas.microsoft.com/office/powerpoint/2012/main" xmlns:p14="http://schemas.microsoft.com/office/powerpoint/2010/main" xmlns:com="http://schemas.openxmlformats.org/drawingml/2006/compatibility" xmlns:pvml="urn:schemas-microsoft-com:office:powerpoint" xmlns:v="urn:schemas-microsoft-com:vml" xmlns:o="urn:schemas-microsoft-com:office:office" xmlns:dgm="http://schemas.openxmlformats.org/drawingml/2006/diagram" xmlns:c="http://schemas.openxmlformats.org/drawingml/2006/chart" xmlns:mv="urn:schemas-microsoft-com:mac:vml" xmlns:mc="http://schemas.openxmlformats.org/markup-compatibility/2006" xmlns="" textRoundtripDataId="7"/>
                   </a:ext>
                 </a:extLst>
               </a:rPr>
@@ -10374,7 +10502,7 @@
               <a:rPr lang="en-US" altLang="zh-CN" dirty="0">
                 <a:extLst>
                   <a:ext uri="http://customooxmlschemas.google.com/">
-                    <go:slidesCustomData xmlns="" xmlns:mc="http://schemas.openxmlformats.org/markup-compatibility/2006" xmlns:mv="urn:schemas-microsoft-com:mac:vml" xmlns:c="http://schemas.openxmlformats.org/drawingml/2006/chart" xmlns:dgm="http://schemas.openxmlformats.org/drawingml/2006/diagram" xmlns:o="urn:schemas-microsoft-com:office:office" xmlns:v="urn:schemas-microsoft-com:vml" xmlns:pvml="urn:schemas-microsoft-com:office:powerpoint" xmlns:com="http://schemas.openxmlformats.org/drawingml/2006/compatibility" xmlns:p14="http://schemas.microsoft.com/office/powerpoint/2010/main" xmlns:p15="http://schemas.microsoft.com/office/powerpoint/2012/main" xmlns:ahyp="http://schemas.microsoft.com/office/drawing/2018/hyperlinkcolor" xmlns:go="http://customooxmlschemas.google.com/" textRoundtripDataId="7"/>
+                    <go:slidesCustomData xmlns:go="http://customooxmlschemas.google.com/" xmlns:ahyp="http://schemas.microsoft.com/office/drawing/2018/hyperlinkcolor" xmlns:p15="http://schemas.microsoft.com/office/powerpoint/2012/main" xmlns:p14="http://schemas.microsoft.com/office/powerpoint/2010/main" xmlns:com="http://schemas.openxmlformats.org/drawingml/2006/compatibility" xmlns:pvml="urn:schemas-microsoft-com:office:powerpoint" xmlns:v="urn:schemas-microsoft-com:vml" xmlns:o="urn:schemas-microsoft-com:office:office" xmlns:dgm="http://schemas.openxmlformats.org/drawingml/2006/diagram" xmlns:c="http://schemas.openxmlformats.org/drawingml/2006/chart" xmlns:mv="urn:schemas-microsoft-com:mac:vml" xmlns:mc="http://schemas.openxmlformats.org/markup-compatibility/2006" xmlns="" textRoundtripDataId="7"/>
                   </a:ext>
                 </a:extLst>
               </a:rPr>
@@ -10384,7 +10512,7 @@
               <a:rPr lang="en-US" dirty="0">
                 <a:extLst>
                   <a:ext uri="http://customooxmlschemas.google.com/">
-                    <go:slidesCustomData xmlns="" xmlns:mc="http://schemas.openxmlformats.org/markup-compatibility/2006" xmlns:mv="urn:schemas-microsoft-com:mac:vml" xmlns:c="http://schemas.openxmlformats.org/drawingml/2006/chart" xmlns:dgm="http://schemas.openxmlformats.org/drawingml/2006/diagram" xmlns:o="urn:schemas-microsoft-com:office:office" xmlns:v="urn:schemas-microsoft-com:vml" xmlns:pvml="urn:schemas-microsoft-com:office:powerpoint" xmlns:com="http://schemas.openxmlformats.org/drawingml/2006/compatibility" xmlns:p14="http://schemas.microsoft.com/office/powerpoint/2010/main" xmlns:p15="http://schemas.microsoft.com/office/powerpoint/2012/main" xmlns:ahyp="http://schemas.microsoft.com/office/drawing/2018/hyperlinkcolor" xmlns:go="http://customooxmlschemas.google.com/" textRoundtripDataId="7"/>
+                    <go:slidesCustomData xmlns:go="http://customooxmlschemas.google.com/" xmlns:ahyp="http://schemas.microsoft.com/office/drawing/2018/hyperlinkcolor" xmlns:p15="http://schemas.microsoft.com/office/powerpoint/2012/main" xmlns:p14="http://schemas.microsoft.com/office/powerpoint/2010/main" xmlns:com="http://schemas.openxmlformats.org/drawingml/2006/compatibility" xmlns:pvml="urn:schemas-microsoft-com:office:powerpoint" xmlns:v="urn:schemas-microsoft-com:vml" xmlns:o="urn:schemas-microsoft-com:office:office" xmlns:dgm="http://schemas.openxmlformats.org/drawingml/2006/diagram" xmlns:c="http://schemas.openxmlformats.org/drawingml/2006/chart" xmlns:mv="urn:schemas-microsoft-com:mac:vml" xmlns:mc="http://schemas.openxmlformats.org/markup-compatibility/2006" xmlns="" textRoundtripDataId="7"/>
                   </a:ext>
                 </a:extLst>
               </a:rPr>
@@ -10783,7 +10911,7 @@
             </a:pPr>
             <a:r>
               <a:rPr lang="en-US" dirty="0"/>
-              <a:t>Your confusion matrix and F1 scores for exercise 2 - adding layers to your FCN</a:t>
+              <a:t>Your confusion matrix and F1 scores for exercise 1 - adding layers to your FCN</a:t>
             </a:r>
           </a:p>
         </p:txBody>
@@ -10838,6 +10966,311 @@
           </a:p>
         </p:txBody>
       </p:sp>
+      <p:sp>
+        <p:nvSpPr>
+          <p:cNvPr id="9" name="文本框 8">
+            <a:extLst>
+              <a:ext uri="{FF2B5EF4-FFF2-40B4-BE49-F238E27FC236}">
+                <a16:creationId xmlns:a16="http://schemas.microsoft.com/office/drawing/2014/main" id="{C23080A4-6D2D-7E00-D786-FFB373CB2F57}"/>
+              </a:ext>
+            </a:extLst>
+          </p:cNvPr>
+          <p:cNvSpPr txBox="1"/>
+          <p:nvPr/>
+        </p:nvSpPr>
+        <p:spPr>
+          <a:xfrm>
+            <a:off x="4676440" y="371394"/>
+            <a:ext cx="3796018" cy="646331"/>
+          </a:xfrm>
+          <a:prstGeom prst="rect">
+            <a:avLst/>
+          </a:prstGeom>
+          <a:noFill/>
+        </p:spPr>
+        <p:txBody>
+          <a:bodyPr wrap="square" rtlCol="0">
+            <a:spAutoFit/>
+          </a:bodyPr>
+          <a:lstStyle/>
+          <a:p>
+            <a:pPr algn="just"/>
+            <a:r>
+              <a:rPr lang="en-US" altLang="zh-CN" sz="1200" dirty="0"/>
+              <a:t>The model has a validation accuracy of 70.51%, with high F1 scores for classes "111" (0.721), "bd" (0.826), and "100" (0.0). The average F1 score is 0.516.</a:t>
+            </a:r>
+            <a:endParaRPr lang="zh-CN" altLang="en-US" sz="1200" dirty="0"/>
+          </a:p>
+        </p:txBody>
+      </p:sp>
+      <p:pic>
+        <p:nvPicPr>
+          <p:cNvPr id="13" name="图片 12">
+            <a:extLst>
+              <a:ext uri="{FF2B5EF4-FFF2-40B4-BE49-F238E27FC236}">
+                <a16:creationId xmlns:a16="http://schemas.microsoft.com/office/drawing/2014/main" id="{BD7A3166-9FAA-8CD9-4500-EC7E8A43D8CD}"/>
+              </a:ext>
+            </a:extLst>
+          </p:cNvPr>
+          <p:cNvPicPr>
+            <a:picLocks noChangeAspect="1"/>
+          </p:cNvPicPr>
+          <p:nvPr/>
+        </p:nvPicPr>
+        <p:blipFill>
+          <a:blip r:embed="rId3"/>
+          <a:stretch>
+            <a:fillRect/>
+          </a:stretch>
+        </p:blipFill>
+        <p:spPr>
+          <a:xfrm>
+            <a:off x="311700" y="1914442"/>
+            <a:ext cx="3431910" cy="2655270"/>
+          </a:xfrm>
+          <a:prstGeom prst="rect">
+            <a:avLst/>
+          </a:prstGeom>
+        </p:spPr>
+      </p:pic>
+      <p:pic>
+        <p:nvPicPr>
+          <p:cNvPr id="15" name="图片 14">
+            <a:extLst>
+              <a:ext uri="{FF2B5EF4-FFF2-40B4-BE49-F238E27FC236}">
+                <a16:creationId xmlns:a16="http://schemas.microsoft.com/office/drawing/2014/main" id="{A2279BA3-A131-3F91-8963-D99FF28D5521}"/>
+              </a:ext>
+            </a:extLst>
+          </p:cNvPr>
+          <p:cNvPicPr>
+            <a:picLocks noChangeAspect="1"/>
+          </p:cNvPicPr>
+          <p:nvPr/>
+        </p:nvPicPr>
+        <p:blipFill>
+          <a:blip r:embed="rId4"/>
+          <a:stretch>
+            <a:fillRect/>
+          </a:stretch>
+        </p:blipFill>
+        <p:spPr>
+          <a:xfrm>
+            <a:off x="3838039" y="2007947"/>
+            <a:ext cx="2425595" cy="2655270"/>
+          </a:xfrm>
+          <a:prstGeom prst="rect">
+            <a:avLst/>
+          </a:prstGeom>
+        </p:spPr>
+      </p:pic>
+      <p:pic>
+        <p:nvPicPr>
+          <p:cNvPr id="17" name="图片 16">
+            <a:extLst>
+              <a:ext uri="{FF2B5EF4-FFF2-40B4-BE49-F238E27FC236}">
+                <a16:creationId xmlns:a16="http://schemas.microsoft.com/office/drawing/2014/main" id="{3844E00B-C41A-F70F-F119-13C147F2C8B6}"/>
+              </a:ext>
+            </a:extLst>
+          </p:cNvPr>
+          <p:cNvPicPr>
+            <a:picLocks noChangeAspect="1"/>
+          </p:cNvPicPr>
+          <p:nvPr/>
+        </p:nvPicPr>
+        <p:blipFill rotWithShape="1">
+          <a:blip r:embed="rId5"/>
+          <a:srcRect l="3197" t="21113" r="39250" b="32146"/>
+          <a:stretch/>
+        </p:blipFill>
+        <p:spPr>
+          <a:xfrm>
+            <a:off x="6446930" y="2834772"/>
+            <a:ext cx="2296503" cy="814609"/>
+          </a:xfrm>
+          <a:prstGeom prst="rect">
+            <a:avLst/>
+          </a:prstGeom>
+        </p:spPr>
+      </p:pic>
+    </p:spTree>
+    <p:extLst>
+      <p:ext uri="{BB962C8B-B14F-4D97-AF65-F5344CB8AC3E}">
+        <p14:creationId xmlns:p14="http://schemas.microsoft.com/office/powerpoint/2010/main" val="3164351851"/>
+      </p:ext>
+    </p:extLst>
+  </p:cSld>
+  <p:clrMapOvr>
+    <a:masterClrMapping/>
+  </p:clrMapOvr>
+</p:sld>
+</file>
+
+<file path=ppt/slides/slide5.xml><?xml version="1.0" encoding="utf-8"?>
+<p:sld xmlns:a="http://schemas.openxmlformats.org/drawingml/2006/main" xmlns:r="http://schemas.openxmlformats.org/officeDocument/2006/relationships" xmlns:p="http://schemas.openxmlformats.org/presentationml/2006/main">
+  <p:cSld>
+    <p:spTree>
+      <p:nvGrpSpPr>
+        <p:cNvPr id="1" name="Shape 67"/>
+        <p:cNvGrpSpPr/>
+        <p:nvPr/>
+      </p:nvGrpSpPr>
+      <p:grpSpPr>
+        <a:xfrm>
+          <a:off x="0" y="0"/>
+          <a:ext cx="0" cy="0"/>
+          <a:chOff x="0" y="0"/>
+          <a:chExt cx="0" cy="0"/>
+        </a:xfrm>
+      </p:grpSpPr>
+      <p:sp>
+        <p:nvSpPr>
+          <p:cNvPr id="68" name="Google Shape;68;p3"/>
+          <p:cNvSpPr txBox="1">
+            <a:spLocks noGrp="1"/>
+          </p:cNvSpPr>
+          <p:nvPr>
+            <p:ph type="title"/>
+          </p:nvPr>
+        </p:nvSpPr>
+        <p:spPr>
+          <a:xfrm>
+            <a:off x="311700" y="445025"/>
+            <a:ext cx="8520600" cy="572700"/>
+          </a:xfrm>
+          <a:prstGeom prst="rect">
+            <a:avLst/>
+          </a:prstGeom>
+          <a:noFill/>
+          <a:ln>
+            <a:noFill/>
+          </a:ln>
+        </p:spPr>
+        <p:txBody>
+          <a:bodyPr spcFirstLastPara="1" wrap="square" lIns="91425" tIns="91425" rIns="91425" bIns="91425" anchor="t" anchorCtr="0">
+            <a:noAutofit/>
+          </a:bodyPr>
+          <a:lstStyle/>
+          <a:p>
+            <a:pPr marL="0" lvl="0" indent="0" algn="l" rtl="0">
+              <a:lnSpc>
+                <a:spcPct val="100000"/>
+              </a:lnSpc>
+              <a:spcBef>
+                <a:spcPts val="0"/>
+              </a:spcBef>
+              <a:spcAft>
+                <a:spcPts val="0"/>
+              </a:spcAft>
+              <a:buSzPts val="2800"/>
+              <a:buNone/>
+            </a:pPr>
+            <a:r>
+              <a:rPr lang="en" dirty="0"/>
+              <a:t>Progress</a:t>
+            </a:r>
+            <a:endParaRPr dirty="0"/>
+          </a:p>
+        </p:txBody>
+      </p:sp>
+      <p:sp>
+        <p:nvSpPr>
+          <p:cNvPr id="69" name="Google Shape;69;p3"/>
+          <p:cNvSpPr txBox="1">
+            <a:spLocks noGrp="1"/>
+          </p:cNvSpPr>
+          <p:nvPr>
+            <p:ph type="body" idx="1"/>
+          </p:nvPr>
+        </p:nvSpPr>
+        <p:spPr>
+          <a:xfrm>
+            <a:off x="217271" y="1153312"/>
+            <a:ext cx="8709458" cy="3416400"/>
+          </a:xfrm>
+          <a:prstGeom prst="rect">
+            <a:avLst/>
+          </a:prstGeom>
+          <a:noFill/>
+          <a:ln>
+            <a:noFill/>
+          </a:ln>
+        </p:spPr>
+        <p:txBody>
+          <a:bodyPr spcFirstLastPara="1" wrap="square" lIns="91425" tIns="91425" rIns="91425" bIns="91425" anchor="t" anchorCtr="0">
+            <a:noAutofit/>
+          </a:bodyPr>
+          <a:lstStyle/>
+          <a:p>
+            <a:pPr marL="457200" lvl="0" indent="-342900" algn="l" rtl="0">
+              <a:lnSpc>
+                <a:spcPct val="115000"/>
+              </a:lnSpc>
+              <a:spcBef>
+                <a:spcPts val="0"/>
+              </a:spcBef>
+              <a:spcAft>
+                <a:spcPts val="0"/>
+              </a:spcAft>
+              <a:buSzPts val="1800"/>
+              <a:buChar char="●"/>
+            </a:pPr>
+            <a:r>
+              <a:rPr lang="en-US" dirty="0"/>
+              <a:t>Your confusion matrix and F1 scores for exercise 2 - modifying convolution layers</a:t>
+            </a:r>
+          </a:p>
+        </p:txBody>
+      </p:sp>
+      <p:sp>
+        <p:nvSpPr>
+          <p:cNvPr id="70" name="Google Shape;70;p3"/>
+          <p:cNvSpPr txBox="1">
+            <a:spLocks noGrp="1"/>
+          </p:cNvSpPr>
+          <p:nvPr>
+            <p:ph type="sldNum" idx="12"/>
+          </p:nvPr>
+        </p:nvSpPr>
+        <p:spPr>
+          <a:xfrm>
+            <a:off x="8472458" y="4663217"/>
+            <a:ext cx="548700" cy="393600"/>
+          </a:xfrm>
+          <a:prstGeom prst="rect">
+            <a:avLst/>
+          </a:prstGeom>
+          <a:noFill/>
+          <a:ln>
+            <a:noFill/>
+          </a:ln>
+        </p:spPr>
+        <p:txBody>
+          <a:bodyPr spcFirstLastPara="1" wrap="square" lIns="91425" tIns="91425" rIns="91425" bIns="91425" anchor="ctr" anchorCtr="0">
+            <a:noAutofit/>
+          </a:bodyPr>
+          <a:lstStyle/>
+          <a:p>
+            <a:pPr marL="0" lvl="0" indent="0" algn="r" rtl="0">
+              <a:lnSpc>
+                <a:spcPct val="100000"/>
+              </a:lnSpc>
+              <a:spcBef>
+                <a:spcPts val="0"/>
+              </a:spcBef>
+              <a:spcAft>
+                <a:spcPts val="0"/>
+              </a:spcAft>
+              <a:buSzPts val="1000"/>
+              <a:buNone/>
+            </a:pPr>
+            <a:fld id="{00000000-1234-1234-1234-123412341234}" type="slidenum">
+              <a:rPr lang="en"/>
+              <a:t>5</a:t>
+            </a:fld>
+            <a:endParaRPr/>
+          </a:p>
+        </p:txBody>
+      </p:sp>
       <p:pic>
         <p:nvPicPr>
           <p:cNvPr id="4" name="图片 3">
@@ -10859,7 +11292,7 @@
         </p:blipFill>
         <p:spPr>
           <a:xfrm>
-            <a:off x="435331" y="1766241"/>
+            <a:off x="435331" y="1920959"/>
             <a:ext cx="2883869" cy="2939058"/>
           </a:xfrm>
           <a:prstGeom prst="rect">
@@ -10888,7 +11321,7 @@
         </p:blipFill>
         <p:spPr>
           <a:xfrm>
-            <a:off x="5888107" y="2792770"/>
+            <a:off x="5888107" y="2861512"/>
             <a:ext cx="2584351" cy="885998"/>
           </a:xfrm>
           <a:prstGeom prst="rect">
@@ -10947,7 +11380,7 @@
         </p:nvGrpSpPr>
         <p:grpSpPr>
           <a:xfrm>
-            <a:off x="3319200" y="1886782"/>
+            <a:off x="3319200" y="1965242"/>
             <a:ext cx="2516756" cy="2697975"/>
             <a:chOff x="3319200" y="1886782"/>
             <a:chExt cx="2516756" cy="2697975"/>
@@ -11041,7 +11474,7 @@
     </p:spTree>
     <p:extLst>
       <p:ext uri="{BB962C8B-B14F-4D97-AF65-F5344CB8AC3E}">
-        <p14:creationId xmlns:p14="http://schemas.microsoft.com/office/powerpoint/2010/main" val="3164351851"/>
+        <p14:creationId xmlns:p14="http://schemas.microsoft.com/office/powerpoint/2010/main" val="3463061535"/>
       </p:ext>
     </p:extLst>
   </p:cSld>
@@ -11051,7 +11484,7 @@
 </p:sld>
 </file>
 
-<file path=ppt/slides/slide5.xml><?xml version="1.0" encoding="utf-8"?>
+<file path=ppt/slides/slide6.xml><?xml version="1.0" encoding="utf-8"?>
 <p:sld xmlns:a="http://schemas.openxmlformats.org/drawingml/2006/main" xmlns:r="http://schemas.openxmlformats.org/officeDocument/2006/relationships" xmlns:p="http://schemas.openxmlformats.org/presentationml/2006/main">
   <p:cSld>
     <p:spTree>
@@ -11211,7 +11644,7 @@
             </a:pPr>
             <a:fld id="{00000000-1234-1234-1234-123412341234}" type="slidenum">
               <a:rPr lang="en"/>
-              <a:t>5</a:t>
+              <a:t>6</a:t>
             </a:fld>
             <a:endParaRPr/>
           </a:p>
@@ -11306,7 +11739,7 @@
             <a:pPr algn="just"/>
             <a:r>
               <a:rPr lang="en-US" altLang="zh-CN" sz="1200" dirty="0"/>
-              <a:t>The model has a validation accuracy of 78.01%, with high F1 scores for classes "111" (0.772), "bd" (0.875), and "100" (0.477). The average F1 score is 0.744.</a:t>
+              <a:t>The model has a validation accuracy of 78.01%, with high F1 scores for classes "111" (0.772), "bd" (0.875), and "100" (0.477). The average F1 score is 0.708.</a:t>
             </a:r>
             <a:endParaRPr lang="zh-CN" altLang="en-US" sz="1200" dirty="0"/>
           </a:p>
@@ -11417,6 +11850,35 @@
           </p:txBody>
         </p:sp>
       </p:grpSp>
+      <p:pic>
+        <p:nvPicPr>
+          <p:cNvPr id="9" name="图片 8">
+            <a:extLst>
+              <a:ext uri="{FF2B5EF4-FFF2-40B4-BE49-F238E27FC236}">
+                <a16:creationId xmlns:a16="http://schemas.microsoft.com/office/drawing/2014/main" id="{6D9782C1-0EA2-BE91-AE94-5393F3CBEB85}"/>
+              </a:ext>
+            </a:extLst>
+          </p:cNvPr>
+          <p:cNvPicPr>
+            <a:picLocks noChangeAspect="1"/>
+          </p:cNvPicPr>
+          <p:nvPr/>
+        </p:nvPicPr>
+        <p:blipFill rotWithShape="1">
+          <a:blip r:embed="rId6"/>
+          <a:srcRect t="59984" r="32752" b="17291"/>
+          <a:stretch/>
+        </p:blipFill>
+        <p:spPr>
+          <a:xfrm>
+            <a:off x="5695201" y="2729310"/>
+            <a:ext cx="2685600" cy="136630"/>
+          </a:xfrm>
+          <a:prstGeom prst="rect">
+            <a:avLst/>
+          </a:prstGeom>
+        </p:spPr>
+      </p:pic>
     </p:spTree>
     <p:extLst>
       <p:ext uri="{BB962C8B-B14F-4D97-AF65-F5344CB8AC3E}">
@@ -11430,7 +11892,7 @@
 </p:sld>
 </file>
 
-<file path=ppt/slides/slide6.xml><?xml version="1.0" encoding="utf-8"?>
+<file path=ppt/slides/slide7.xml><?xml version="1.0" encoding="utf-8"?>
 <p:sld xmlns:a="http://schemas.openxmlformats.org/drawingml/2006/main" xmlns:r="http://schemas.openxmlformats.org/officeDocument/2006/relationships" xmlns:p="http://schemas.openxmlformats.org/presentationml/2006/main">
   <p:cSld>
     <p:spTree>
@@ -11590,7 +12052,7 @@
             </a:pPr>
             <a:fld id="{00000000-1234-1234-1234-123412341234}" type="slidenum">
               <a:rPr lang="en"/>
-              <a:t>6</a:t>
+              <a:t>7</a:t>
             </a:fld>
             <a:endParaRPr/>
           </a:p>
@@ -11634,7 +12096,7 @@
 </p:sld>
 </file>
 
-<file path=ppt/slides/slide7.xml><?xml version="1.0" encoding="utf-8"?>
+<file path=ppt/slides/slide8.xml><?xml version="1.0" encoding="utf-8"?>
 <p:sld xmlns:a="http://schemas.openxmlformats.org/drawingml/2006/main" xmlns:r="http://schemas.openxmlformats.org/officeDocument/2006/relationships" xmlns:p="http://schemas.openxmlformats.org/presentationml/2006/main">
   <p:cSld>
     <p:spTree>
@@ -11794,7 +12256,7 @@
             </a:pPr>
             <a:fld id="{00000000-1234-1234-1234-123412341234}" type="slidenum">
               <a:rPr lang="en"/>
-              <a:t>7</a:t>
+              <a:t>8</a:t>
             </a:fld>
             <a:endParaRPr/>
           </a:p>
@@ -11838,7 +12300,7 @@
 </p:sld>
 </file>
 
-<file path=ppt/slides/slide8.xml><?xml version="1.0" encoding="utf-8"?>
+<file path=ppt/slides/slide9.xml><?xml version="1.0" encoding="utf-8"?>
 <p:sld xmlns:a="http://schemas.openxmlformats.org/drawingml/2006/main" xmlns:r="http://schemas.openxmlformats.org/officeDocument/2006/relationships" xmlns:p="http://schemas.openxmlformats.org/presentationml/2006/main">
   <p:cSld>
     <p:spTree>
@@ -12470,7 +12932,7 @@
             </a:pPr>
             <a:fld id="{00000000-1234-1234-1234-123412341234}" type="slidenum">
               <a:rPr lang="en"/>
-              <a:t>8</a:t>
+              <a:t>9</a:t>
             </a:fld>
             <a:endParaRPr/>
           </a:p>
